--- a/Dec26_Database_Options_In_Azure/Database_Options_In_Azure.pptx
+++ b/Dec26_Database_Options_In_Azure/Database_Options_In_Azure.pptx
@@ -212,7 +212,7 @@
           <a:p>
             <a:fld id="{1AD2477C-EE5B-46FF-B20E-C93D78E3ECC1}" type="datetimeFigureOut">
               <a:rPr lang="en-US" smtClean="0"/>
-              <a:t>19-Dec-18</a:t>
+              <a:t>31-Dec-18</a:t>
             </a:fld>
             <a:endParaRPr lang="en-US" dirty="0"/>
           </a:p>
@@ -524,20 +524,16 @@
           <a:lstStyle/>
           <a:p>
             <a:r>
+              <a:rPr lang="en-US" dirty="0"/>
+              <a:t>Good afternoon guys. </a:t>
+            </a:r>
+            <a:r>
               <a:rPr lang="en-US" dirty="0" err="1"/>
               <a:t>Ya</a:t>
             </a:r>
             <a:r>
               <a:rPr lang="en-US" dirty="0"/>
-              <a:t>. I am Dinesh Kumar. Product Manager at Syncfusion Software. I manage ‘Data sources</a:t>
-            </a:r>
-            <a:r>
-              <a:rPr lang="en-US"/>
-              <a:t>’ division of </a:t>
-            </a:r>
-            <a:r>
-              <a:rPr lang="en-US" dirty="0"/>
-              <a:t>Data Platform team. And I am pretty happy to present this Webinar in Azure Vidyapeeth to this wonderful audience. Here we go!</a:t>
+              <a:t>. I am Dinesh Kumar. Product Manager at Syncfusion Software. I manage ‘Data sources’ division of Data Platform team. And I am pretty happy to present this Webinar in Azure Vidyapeeth to this wonderful audience. Here we go!</a:t>
             </a:r>
           </a:p>
         </p:txBody>
@@ -985,7 +981,7 @@
                 <a:ea typeface="+mn-ea"/>
                 <a:cs typeface="+mn-cs"/>
               </a:rPr>
-              <a:t>Microsoft Azure comes is huge and changing fast. It comes in handy while choosing services, deployment options, security methods etc. for a variety of situations. In this webinar, you will learn to decide which database service can be used for your situation and when it can be used.</a:t>
+              <a:t>Microsoft Azure comes as huge and changing fast. It comes in handy while choosing services, deployment options, security methods etc. for a variety of situations. In this webinar, you will learn to decide which database service can be used for your situation and when it can be used.</a:t>
             </a:r>
             <a:endParaRPr lang="en-US" dirty="0"/>
           </a:p>
@@ -995,7 +991,7 @@
           <a:p>
             <a:r>
               <a:rPr lang="en-US" dirty="0"/>
-              <a:t>In short we will know which services to use to store data in Azure.</a:t>
+              <a:t>In short we will know which services to use to store data in Azure. </a:t>
             </a:r>
           </a:p>
         </p:txBody>
@@ -1680,7 +1676,7 @@
           <a:p>
             <a:fld id="{6AC814A8-707E-4EB7-B523-A83E81DFE400}" type="datetimeFigureOut">
               <a:rPr lang="en-US" smtClean="0"/>
-              <a:t>19-Dec-18</a:t>
+              <a:t>31-Dec-18</a:t>
             </a:fld>
             <a:endParaRPr lang="en-US" dirty="0"/>
           </a:p>
@@ -2293,7 +2289,7 @@
           <a:p>
             <a:fld id="{6AC814A8-707E-4EB7-B523-A83E81DFE400}" type="datetimeFigureOut">
               <a:rPr lang="en-US" smtClean="0"/>
-              <a:t>19-Dec-18</a:t>
+              <a:t>31-Dec-18</a:t>
             </a:fld>
             <a:endParaRPr lang="en-US"/>
           </a:p>
@@ -2504,7 +2500,7 @@
           <a:p>
             <a:fld id="{6AC814A8-707E-4EB7-B523-A83E81DFE400}" type="datetimeFigureOut">
               <a:rPr lang="en-US" smtClean="0"/>
-              <a:t>19-Dec-18</a:t>
+              <a:t>31-Dec-18</a:t>
             </a:fld>
             <a:endParaRPr lang="en-US" dirty="0"/>
           </a:p>
@@ -3855,12 +3851,12 @@
                         </a:spcAft>
                       </a:pPr>
                       <a:r>
-                        <a:rPr lang="en-US" sz="1600" b="0">
+                        <a:rPr lang="en-US" sz="1600" b="0" dirty="0">
                           <a:effectLst/>
                         </a:rPr>
                         <a:t>SQL</a:t>
                       </a:r>
-                      <a:endParaRPr lang="en-US" sz="1600" b="0">
+                      <a:endParaRPr lang="en-US" sz="1600" b="0" dirty="0">
                         <a:effectLst/>
                         <a:latin typeface="Calibri" panose="020F0502020204030204" pitchFamily="34" charset="0"/>
                       </a:endParaRPr>
@@ -4535,12 +4531,12 @@
                         </a:spcAft>
                       </a:pPr>
                       <a:r>
-                        <a:rPr lang="en-US" sz="1600">
+                        <a:rPr lang="en-US" sz="1600" dirty="0">
                           <a:effectLst/>
                         </a:rPr>
                         <a:t> </a:t>
                       </a:r>
-                      <a:endParaRPr lang="en-US" sz="1600">
+                      <a:endParaRPr lang="en-US" sz="1600" dirty="0">
                         <a:effectLst/>
                         <a:latin typeface="Calibri" panose="020F0502020204030204" pitchFamily="34" charset="0"/>
                       </a:endParaRPr>
@@ -5038,12 +5034,12 @@
                         </a:spcAft>
                       </a:pPr>
                       <a:r>
-                        <a:rPr lang="en-US" sz="1600">
+                        <a:rPr lang="en-US" sz="1600" dirty="0">
                           <a:effectLst/>
                         </a:rPr>
                         <a:t> </a:t>
                       </a:r>
-                      <a:endParaRPr lang="en-US" sz="1600">
+                      <a:endParaRPr lang="en-US" sz="1600" dirty="0">
                         <a:effectLst/>
                         <a:latin typeface="Calibri" panose="020F0502020204030204" pitchFamily="34" charset="0"/>
                       </a:endParaRPr>
@@ -5180,12 +5176,12 @@
                         </a:spcAft>
                       </a:pPr>
                       <a:r>
-                        <a:rPr lang="en-US" sz="1600">
+                        <a:rPr lang="en-US" sz="1600" dirty="0">
                           <a:effectLst/>
                         </a:rPr>
                         <a:t> </a:t>
                       </a:r>
-                      <a:endParaRPr lang="en-US" sz="1600">
+                      <a:endParaRPr lang="en-US" sz="1600" dirty="0">
                         <a:effectLst/>
                         <a:latin typeface="Calibri" panose="020F0502020204030204" pitchFamily="34" charset="0"/>
                       </a:endParaRPr>
@@ -5207,12 +5203,12 @@
                         </a:spcAft>
                       </a:pPr>
                       <a:r>
-                        <a:rPr lang="en-US" sz="1600">
+                        <a:rPr lang="en-US" sz="1600" dirty="0">
                           <a:effectLst/>
                         </a:rPr>
                         <a:t> </a:t>
                       </a:r>
-                      <a:endParaRPr lang="en-US" sz="1600">
+                      <a:endParaRPr lang="en-US" sz="1600" dirty="0">
                         <a:effectLst/>
                         <a:latin typeface="Calibri" panose="020F0502020204030204" pitchFamily="34" charset="0"/>
                       </a:endParaRPr>
@@ -5234,12 +5230,12 @@
                         </a:spcAft>
                       </a:pPr>
                       <a:r>
-                        <a:rPr lang="en-US" sz="1600">
+                        <a:rPr lang="en-US" sz="1600" dirty="0">
                           <a:effectLst/>
                         </a:rPr>
                         <a:t> </a:t>
                       </a:r>
-                      <a:endParaRPr lang="en-US" sz="1600">
+                      <a:endParaRPr lang="en-US" sz="1600" dirty="0">
                         <a:effectLst/>
                         <a:latin typeface="Calibri" panose="020F0502020204030204" pitchFamily="34" charset="0"/>
                       </a:endParaRPr>
@@ -5261,12 +5257,12 @@
                         </a:spcAft>
                       </a:pPr>
                       <a:r>
-                        <a:rPr lang="en-US" sz="1600">
+                        <a:rPr lang="en-US" sz="1600" dirty="0">
                           <a:effectLst/>
                         </a:rPr>
                         <a:t> </a:t>
                       </a:r>
-                      <a:endParaRPr lang="en-US" sz="1600">
+                      <a:endParaRPr lang="en-US" sz="1600" dirty="0">
                         <a:effectLst/>
                         <a:latin typeface="Calibri" panose="020F0502020204030204" pitchFamily="34" charset="0"/>
                       </a:endParaRPr>
@@ -5428,12 +5424,12 @@
                         </a:spcAft>
                       </a:pPr>
                       <a:r>
-                        <a:rPr lang="en-US" sz="1600">
+                        <a:rPr lang="en-US" sz="1600" dirty="0">
                           <a:effectLst/>
                         </a:rPr>
                         <a:t> </a:t>
                       </a:r>
-                      <a:endParaRPr lang="en-US" sz="1600">
+                      <a:endParaRPr lang="en-US" sz="1600" dirty="0">
                         <a:effectLst/>
                         <a:latin typeface="Calibri" panose="020F0502020204030204" pitchFamily="34" charset="0"/>
                       </a:endParaRPr>
@@ -6404,12 +6400,19 @@
               <a:rPr lang="en-US" sz="3000" dirty="0">
                 <a:hlinkClick r:id="rId6"/>
               </a:rPr>
-              <a:t>https://content.microsoft.com/ads-six-data-challenges-solved</a:t>
-            </a:r>
-            <a:r>
-              <a:rPr lang="en-US" sz="3000" dirty="0"/>
+              <a:t>https://content.microsoft.com/</a:t>
+            </a:r>
+            <a:r>
+              <a:rPr lang="en-US" sz="3000">
+                <a:hlinkClick r:id="rId6"/>
+              </a:rPr>
+              <a:t>ads-six-data-challenges-solved</a:t>
+            </a:r>
+            <a:r>
+              <a:rPr lang="en-US" sz="3000"/>
               <a:t> </a:t>
             </a:r>
+            <a:endParaRPr lang="en-US" sz="3000" dirty="0"/>
           </a:p>
         </p:txBody>
       </p:sp>
@@ -8616,7 +8619,7 @@
         <p:spPr>
           <a:xfrm>
             <a:off x="403747" y="1730378"/>
-            <a:ext cx="9754044" cy="2554545"/>
+            <a:ext cx="3426573" cy="3539430"/>
           </a:xfrm>
           <a:prstGeom prst="rect">
             <a:avLst/>
@@ -8667,6 +8670,17 @@
               <a:rPr lang="en-US" sz="3200" dirty="0"/>
               <a:t>Rent a car?</a:t>
             </a:r>
+          </a:p>
+          <a:p>
+            <a:pPr marL="800100" lvl="1" indent="-342900">
+              <a:buFont typeface="Arial" panose="020B0604020202020204" pitchFamily="34" charset="0"/>
+              <a:buChar char="•"/>
+            </a:pPr>
+            <a:endParaRPr lang="en-US" sz="3200" dirty="0"/>
+          </a:p>
+          <a:p>
+            <a:pPr lvl="1"/>
+            <a:endParaRPr lang="en-US" sz="3200" dirty="0"/>
           </a:p>
           <a:p>
             <a:endParaRPr lang="en-US" sz="3200" dirty="0"/>
@@ -8702,6 +8716,19 @@
           <a:lstStyle/>
           <a:p>
             <a:r>
+              <a:rPr lang="en-US" sz="4000" b="1" dirty="0">
+                <a:ln w="0"/>
+                <a:effectLst>
+                  <a:outerShdw blurRad="38100" dist="19050" dir="2700000" algn="tl" rotWithShape="0">
+                    <a:schemeClr val="dk1">
+                      <a:alpha val="40000"/>
+                    </a:schemeClr>
+                  </a:outerShdw>
+                </a:effectLst>
+              </a:rPr>
+              <a:t>Control &amp; Responsibility</a:t>
+            </a:r>
+            <a:r>
               <a:rPr lang="en-US" sz="4000" dirty="0">
                 <a:ln w="0"/>
                 <a:effectLst>
@@ -8712,11 +8739,54 @@
                   </a:outerShdw>
                 </a:effectLst>
               </a:rPr>
-              <a:t>Control &amp; Responsibility over Business Value</a:t>
-            </a:r>
-          </a:p>
-        </p:txBody>
-      </p:sp>
+              <a:t> over </a:t>
+            </a:r>
+            <a:r>
+              <a:rPr lang="en-US" sz="4000" b="1" dirty="0">
+                <a:ln w="0"/>
+                <a:effectLst>
+                  <a:outerShdw blurRad="38100" dist="19050" dir="2700000" algn="tl" rotWithShape="0">
+                    <a:schemeClr val="dk1">
+                      <a:alpha val="40000"/>
+                    </a:schemeClr>
+                  </a:outerShdw>
+                </a:effectLst>
+              </a:rPr>
+              <a:t>Business Value</a:t>
+            </a:r>
+          </a:p>
+        </p:txBody>
+      </p:sp>
+      <p:pic>
+        <p:nvPicPr>
+          <p:cNvPr id="5" name="Picture 4">
+            <a:extLst>
+              <a:ext uri="{FF2B5EF4-FFF2-40B4-BE49-F238E27FC236}">
+                <a16:creationId xmlns:a16="http://schemas.microsoft.com/office/drawing/2014/main" id="{0F973D18-8EF0-48A9-83BA-D95947F82553}"/>
+              </a:ext>
+            </a:extLst>
+          </p:cNvPr>
+          <p:cNvPicPr>
+            <a:picLocks noChangeAspect="1"/>
+          </p:cNvPicPr>
+          <p:nvPr/>
+        </p:nvPicPr>
+        <p:blipFill>
+          <a:blip r:embed="rId4"/>
+          <a:stretch>
+            <a:fillRect/>
+          </a:stretch>
+        </p:blipFill>
+        <p:spPr>
+          <a:xfrm>
+            <a:off x="3838459" y="1847768"/>
+            <a:ext cx="4515082" cy="3162463"/>
+          </a:xfrm>
+          <a:prstGeom prst="rect">
+            <a:avLst/>
+          </a:prstGeom>
+        </p:spPr>
+      </p:pic>
     </p:spTree>
     <p:extLst>
       <p:ext uri="{BB962C8B-B14F-4D97-AF65-F5344CB8AC3E}">
@@ -8896,15 +8966,7 @@
             </a:pPr>
             <a:r>
               <a:rPr lang="en-US" sz="3200" dirty="0"/>
-              <a:t>For e.g. </a:t>
-            </a:r>
-            <a:r>
-              <a:rPr lang="en-US" sz="3200"/>
-              <a:t>choosing </a:t>
-            </a:r>
-            <a:r>
-              <a:rPr lang="en-US" sz="3200" dirty="0"/>
-              <a:t>from 1 of below,</a:t>
+              <a:t>For e.g. choosing from 1 of below,</a:t>
             </a:r>
           </a:p>
           <a:p>
